--- a/Lesson_01_2018.pptx
+++ b/Lesson_01_2018.pptx
@@ -5,18 +5,19 @@
     <p:sldMasterId id="2147483648" r:id="rId1"/>
   </p:sldMasterIdLst>
   <p:notesMasterIdLst>
-    <p:notesMasterId r:id="rId11"/>
+    <p:notesMasterId r:id="rId12"/>
   </p:notesMasterIdLst>
   <p:sldIdLst>
     <p:sldId id="256" r:id="rId2"/>
     <p:sldId id="258" r:id="rId3"/>
     <p:sldId id="259" r:id="rId4"/>
-    <p:sldId id="265" r:id="rId5"/>
-    <p:sldId id="266" r:id="rId6"/>
-    <p:sldId id="261" r:id="rId7"/>
-    <p:sldId id="263" r:id="rId8"/>
-    <p:sldId id="262" r:id="rId9"/>
-    <p:sldId id="257" r:id="rId10"/>
+    <p:sldId id="267" r:id="rId5"/>
+    <p:sldId id="265" r:id="rId6"/>
+    <p:sldId id="266" r:id="rId7"/>
+    <p:sldId id="261" r:id="rId8"/>
+    <p:sldId id="263" r:id="rId9"/>
+    <p:sldId id="262" r:id="rId10"/>
+    <p:sldId id="257" r:id="rId11"/>
   </p:sldIdLst>
   <p:sldSz cx="12192000" cy="6858000"/>
   <p:notesSz cx="6858000" cy="9144000"/>
@@ -757,7 +758,7 @@
             <a:fld id="{2ABEE6D2-2021-4118-8397-398A2B587FCE}" type="slidenum">
               <a:rPr lang="en-US" smtClean="0"/>
               <a:pPr/>
-              <a:t>9</a:t>
+              <a:t>10</a:t>
             </a:fld>
             <a:endParaRPr lang="en-US"/>
           </a:p>
@@ -3669,10 +3670,6 @@
               <a:rPr lang="en-US" sz="5000" dirty="0" smtClean="0"/>
               <a:t>-</a:t>
             </a:r>
-            <a:r>
-              <a:rPr lang="en-US" sz="5000" dirty="0" smtClean="0"/>
-              <a:t/>
-            </a:r>
             <a:br>
               <a:rPr lang="en-US" sz="5000" dirty="0" smtClean="0"/>
             </a:br>
@@ -3744,7 +3741,6 @@
               <a:rPr lang="en-US" sz="2800" b="1" dirty="0" smtClean="0"/>
               <a:t>chaikalis.gr</a:t>
             </a:r>
-            <a:endParaRPr lang="en-US" sz="2800" b="1" dirty="0" smtClean="0"/>
           </a:p>
           <a:p>
             <a:r>
@@ -3808,6 +3804,102 @@
 </p:sld>
 </file>
 
+<file path=ppt/slides/slide10.xml><?xml version="1.0" encoding="utf-8"?>
+<p:sld xmlns:a="http://schemas.openxmlformats.org/drawingml/2006/main" xmlns:r="http://schemas.openxmlformats.org/officeDocument/2006/relationships" xmlns:p="http://schemas.openxmlformats.org/presentationml/2006/main" show="0">
+  <p:cSld>
+    <p:spTree>
+      <p:nvGrpSpPr>
+        <p:cNvPr id="1" name=""/>
+        <p:cNvGrpSpPr/>
+        <p:nvPr/>
+      </p:nvGrpSpPr>
+      <p:grpSpPr>
+        <a:xfrm>
+          <a:off x="0" y="0"/>
+          <a:ext cx="0" cy="0"/>
+          <a:chOff x="0" y="0"/>
+          <a:chExt cx="0" cy="0"/>
+        </a:xfrm>
+      </p:grpSpPr>
+      <p:sp>
+        <p:nvSpPr>
+          <p:cNvPr id="2" name="Title 1"/>
+          <p:cNvSpPr>
+            <a:spLocks noGrp="1"/>
+          </p:cNvSpPr>
+          <p:nvPr>
+            <p:ph type="title"/>
+          </p:nvPr>
+        </p:nvSpPr>
+        <p:spPr/>
+        <p:txBody>
+          <a:bodyPr/>
+          <a:lstStyle/>
+          <a:p>
+            <a:r>
+              <a:rPr lang="en-US" dirty="0"/>
+              <a:t>Activity Lifecycle</a:t>
+            </a:r>
+          </a:p>
+        </p:txBody>
+      </p:sp>
+      <p:pic>
+        <p:nvPicPr>
+          <p:cNvPr id="1026" name="Picture 2" descr="https://developer.android.com/images/training/basics/basic-lifecycle.png"/>
+          <p:cNvPicPr>
+            <a:picLocks noGrp="1" noChangeAspect="1" noChangeArrowheads="1"/>
+          </p:cNvPicPr>
+          <p:nvPr>
+            <p:ph idx="1"/>
+          </p:nvPr>
+        </p:nvPicPr>
+        <p:blipFill>
+          <a:blip r:embed="rId3" cstate="print">
+            <a:extLst>
+              <a:ext uri="{28A0092B-C50C-407E-A947-70E740481C1C}">
+                <a14:useLocalDpi xmlns:a14="http://schemas.microsoft.com/office/drawing/2010/main" val="0"/>
+              </a:ext>
+            </a:extLst>
+          </a:blip>
+          <a:srcRect/>
+          <a:stretch>
+            <a:fillRect/>
+          </a:stretch>
+        </p:blipFill>
+        <p:spPr bwMode="auto">
+          <a:xfrm>
+            <a:off x="1765503" y="2035680"/>
+            <a:ext cx="8406349" cy="3746032"/>
+          </a:xfrm>
+          <a:prstGeom prst="rect">
+            <a:avLst/>
+          </a:prstGeom>
+          <a:noFill/>
+          <a:extLst>
+            <a:ext uri="{909E8E84-426E-40DD-AFC4-6F175D3DCCD1}">
+              <a14:hiddenFill xmlns:a14="http://schemas.microsoft.com/office/drawing/2010/main">
+                <a:solidFill>
+                  <a:srgbClr val="FFFFFF"/>
+                </a:solidFill>
+              </a14:hiddenFill>
+            </a:ext>
+          </a:extLst>
+        </p:spPr>
+      </p:pic>
+    </p:spTree>
+    <p:extLst>
+      <p:ext uri="{BB962C8B-B14F-4D97-AF65-F5344CB8AC3E}">
+        <p14:creationId xmlns:p14="http://schemas.microsoft.com/office/powerpoint/2010/main" val="2863378080"/>
+      </p:ext>
+    </p:extLst>
+  </p:cSld>
+  <p:clrMapOvr>
+    <a:masterClrMapping/>
+  </p:clrMapOvr>
+  <p:transition/>
+</p:sld>
+</file>
+
 <file path=ppt/slides/slide2.xml><?xml version="1.0" encoding="utf-8"?>
 <p:sld xmlns:a="http://schemas.openxmlformats.org/drawingml/2006/main" xmlns:r="http://schemas.openxmlformats.org/officeDocument/2006/relationships" xmlns:p="http://schemas.openxmlformats.org/presentationml/2006/main">
   <p:cSld>
@@ -4093,6 +4185,126 @@
 </file>
 
 <file path=ppt/slides/slide4.xml><?xml version="1.0" encoding="utf-8"?>
+<p:sld xmlns:a="http://schemas.openxmlformats.org/drawingml/2006/main" xmlns:r="http://schemas.openxmlformats.org/officeDocument/2006/relationships" xmlns:p="http://schemas.openxmlformats.org/presentationml/2006/main">
+  <p:cSld>
+    <p:spTree>
+      <p:nvGrpSpPr>
+        <p:cNvPr id="1" name=""/>
+        <p:cNvGrpSpPr/>
+        <p:nvPr/>
+      </p:nvGrpSpPr>
+      <p:grpSpPr>
+        <a:xfrm>
+          <a:off x="0" y="0"/>
+          <a:ext cx="0" cy="0"/>
+          <a:chOff x="0" y="0"/>
+          <a:chExt cx="0" cy="0"/>
+        </a:xfrm>
+      </p:grpSpPr>
+      <p:sp>
+        <p:nvSpPr>
+          <p:cNvPr id="2" name="Title 1"/>
+          <p:cNvSpPr>
+            <a:spLocks noGrp="1"/>
+          </p:cNvSpPr>
+          <p:nvPr>
+            <p:ph type="title"/>
+          </p:nvPr>
+        </p:nvSpPr>
+        <p:spPr/>
+        <p:txBody>
+          <a:bodyPr/>
+          <a:lstStyle/>
+          <a:p>
+            <a:r>
+              <a:rPr lang="el-GR" dirty="0"/>
+              <a:t>Εξέταση </a:t>
+            </a:r>
+            <a:r>
+              <a:rPr lang="el-GR" dirty="0" smtClean="0"/>
+              <a:t>μαθήματος</a:t>
+            </a:r>
+            <a:endParaRPr lang="el-GR" dirty="0"/>
+          </a:p>
+        </p:txBody>
+      </p:sp>
+      <p:sp>
+        <p:nvSpPr>
+          <p:cNvPr id="3" name="Content Placeholder 2"/>
+          <p:cNvSpPr>
+            <a:spLocks noGrp="1"/>
+          </p:cNvSpPr>
+          <p:nvPr>
+            <p:ph idx="1"/>
+          </p:nvPr>
+        </p:nvSpPr>
+        <p:spPr/>
+        <p:txBody>
+          <a:bodyPr>
+            <a:normAutofit/>
+          </a:bodyPr>
+          <a:lstStyle/>
+          <a:p>
+            <a:r>
+              <a:rPr lang="el-GR" sz="4000" dirty="0" smtClean="0"/>
+              <a:t>60% Εργασία </a:t>
+            </a:r>
+          </a:p>
+          <a:p>
+            <a:r>
+              <a:rPr lang="el-GR" sz="4000" dirty="0" smtClean="0"/>
+              <a:t>40% εξετάσεις</a:t>
+            </a:r>
+          </a:p>
+          <a:p>
+            <a:r>
+              <a:rPr lang="en-US" sz="4000" dirty="0"/>
+              <a:t>Live </a:t>
+            </a:r>
+            <a:r>
+              <a:rPr lang="el-GR" sz="4000" dirty="0"/>
+              <a:t>παρουσίαση </a:t>
+            </a:r>
+            <a:r>
+              <a:rPr lang="el-GR" sz="4000" dirty="0" smtClean="0"/>
+              <a:t>εργασίας με ερωτήσεις</a:t>
+            </a:r>
+          </a:p>
+          <a:p>
+            <a:r>
+              <a:rPr lang="el-GR" sz="4000" dirty="0" smtClean="0"/>
+              <a:t>Υποχρεωτική παρουσία στις εξετάσεις</a:t>
+            </a:r>
+          </a:p>
+          <a:p>
+            <a:r>
+              <a:rPr lang="el-GR" sz="4000" dirty="0" smtClean="0"/>
+              <a:t>Τα ίδια ισχύουν και για Σεπτέμβριο</a:t>
+            </a:r>
+          </a:p>
+        </p:txBody>
+      </p:sp>
+    </p:spTree>
+    <p:extLst>
+      <p:ext uri="{BB962C8B-B14F-4D97-AF65-F5344CB8AC3E}">
+        <p14:creationId xmlns:p14="http://schemas.microsoft.com/office/powerpoint/2010/main" val="1066499220"/>
+      </p:ext>
+    </p:extLst>
+  </p:cSld>
+  <p:clrMapOvr>
+    <a:masterClrMapping/>
+  </p:clrMapOvr>
+  <p:timing>
+    <p:tnLst>
+      <p:par>
+        <p:cTn id="1" dur="indefinite" restart="never" nodeType="tmRoot"/>
+      </p:par>
+    </p:tnLst>
+  </p:timing>
+</p:sld>
+</file>
+
+<file path=ppt/slides/slide5.xml><?xml version="1.0" encoding="utf-8"?>
 <p:sld xmlns:a="http://schemas.openxmlformats.org/drawingml/2006/main" xmlns:r="http://schemas.openxmlformats.org/officeDocument/2006/relationships" xmlns:p="http://schemas.openxmlformats.org/presentationml/2006/main">
   <p:cSld>
     <p:spTree>
@@ -4195,7 +4407,7 @@
 </p:sld>
 </file>
 
-<file path=ppt/slides/slide5.xml><?xml version="1.0" encoding="utf-8"?>
+<file path=ppt/slides/slide6.xml><?xml version="1.0" encoding="utf-8"?>
 <p:sld xmlns:a="http://schemas.openxmlformats.org/drawingml/2006/main" xmlns:r="http://schemas.openxmlformats.org/officeDocument/2006/relationships" xmlns:p="http://schemas.openxmlformats.org/presentationml/2006/main">
   <p:cSld>
     <p:spTree>
@@ -4298,7 +4510,7 @@
 </p:sld>
 </file>
 
-<file path=ppt/slides/slide6.xml><?xml version="1.0" encoding="utf-8"?>
+<file path=ppt/slides/slide7.xml><?xml version="1.0" encoding="utf-8"?>
 <p:sld xmlns:a="http://schemas.openxmlformats.org/drawingml/2006/main" xmlns:r="http://schemas.openxmlformats.org/officeDocument/2006/relationships" xmlns:p="http://schemas.openxmlformats.org/presentationml/2006/main">
   <p:cSld>
     <p:spTree>
@@ -4416,7 +4628,7 @@
 </p:sld>
 </file>
 
-<file path=ppt/slides/slide7.xml><?xml version="1.0" encoding="utf-8"?>
+<file path=ppt/slides/slide8.xml><?xml version="1.0" encoding="utf-8"?>
 <p:sld xmlns:a="http://schemas.openxmlformats.org/drawingml/2006/main" xmlns:r="http://schemas.openxmlformats.org/officeDocument/2006/relationships" xmlns:p="http://schemas.openxmlformats.org/presentationml/2006/main">
   <p:cSld>
     <p:spTree>
@@ -4636,7 +4848,7 @@
 </p:sld>
 </file>
 
-<file path=ppt/slides/slide8.xml><?xml version="1.0" encoding="utf-8"?>
+<file path=ppt/slides/slide9.xml><?xml version="1.0" encoding="utf-8"?>
 <p:sld xmlns:a="http://schemas.openxmlformats.org/drawingml/2006/main" xmlns:r="http://schemas.openxmlformats.org/officeDocument/2006/relationships" xmlns:p="http://schemas.openxmlformats.org/presentationml/2006/main" show="0">
   <p:cSld>
     <p:spTree>
@@ -4718,110 +4930,14 @@
   <p:clrMapOvr>
     <a:masterClrMapping/>
   </p:clrMapOvr>
-  <mc:AlternateContent xmlns:mc="http://schemas.openxmlformats.org/markup-compatibility/2006">
-    <mc:Choice xmlns:p14="http://schemas.microsoft.com/office/powerpoint/2010/main" Requires="p14">
+  <mc:AlternateContent xmlns:mc="http://schemas.openxmlformats.org/markup-compatibility/2006" xmlns:p14="http://schemas.microsoft.com/office/powerpoint/2010/main">
+    <mc:Choice Requires="p14">
       <p:transition spd="slow" p14:dur="2000"/>
     </mc:Choice>
-    <mc:Fallback>
+    <mc:Fallback xmlns="">
       <p:transition spd="slow"/>
     </mc:Fallback>
   </mc:AlternateContent>
-</p:sld>
-</file>
-
-<file path=ppt/slides/slide9.xml><?xml version="1.0" encoding="utf-8"?>
-<p:sld xmlns:a="http://schemas.openxmlformats.org/drawingml/2006/main" xmlns:r="http://schemas.openxmlformats.org/officeDocument/2006/relationships" xmlns:p="http://schemas.openxmlformats.org/presentationml/2006/main" show="0">
-  <p:cSld>
-    <p:spTree>
-      <p:nvGrpSpPr>
-        <p:cNvPr id="1" name=""/>
-        <p:cNvGrpSpPr/>
-        <p:nvPr/>
-      </p:nvGrpSpPr>
-      <p:grpSpPr>
-        <a:xfrm>
-          <a:off x="0" y="0"/>
-          <a:ext cx="0" cy="0"/>
-          <a:chOff x="0" y="0"/>
-          <a:chExt cx="0" cy="0"/>
-        </a:xfrm>
-      </p:grpSpPr>
-      <p:sp>
-        <p:nvSpPr>
-          <p:cNvPr id="2" name="Title 1"/>
-          <p:cNvSpPr>
-            <a:spLocks noGrp="1"/>
-          </p:cNvSpPr>
-          <p:nvPr>
-            <p:ph type="title"/>
-          </p:nvPr>
-        </p:nvSpPr>
-        <p:spPr/>
-        <p:txBody>
-          <a:bodyPr/>
-          <a:lstStyle/>
-          <a:p>
-            <a:r>
-              <a:rPr lang="en-US" dirty="0"/>
-              <a:t>Activity Lifecycle</a:t>
-            </a:r>
-          </a:p>
-        </p:txBody>
-      </p:sp>
-      <p:pic>
-        <p:nvPicPr>
-          <p:cNvPr id="1026" name="Picture 2" descr="https://developer.android.com/images/training/basics/basic-lifecycle.png"/>
-          <p:cNvPicPr>
-            <a:picLocks noGrp="1" noChangeAspect="1" noChangeArrowheads="1"/>
-          </p:cNvPicPr>
-          <p:nvPr>
-            <p:ph idx="1"/>
-          </p:nvPr>
-        </p:nvPicPr>
-        <p:blipFill>
-          <a:blip r:embed="rId3" cstate="print">
-            <a:extLst>
-              <a:ext uri="{28A0092B-C50C-407E-A947-70E740481C1C}">
-                <a14:useLocalDpi xmlns:a14="http://schemas.microsoft.com/office/drawing/2010/main" val="0"/>
-              </a:ext>
-            </a:extLst>
-          </a:blip>
-          <a:srcRect/>
-          <a:stretch>
-            <a:fillRect/>
-          </a:stretch>
-        </p:blipFill>
-        <p:spPr bwMode="auto">
-          <a:xfrm>
-            <a:off x="1765503" y="2035680"/>
-            <a:ext cx="8406349" cy="3746032"/>
-          </a:xfrm>
-          <a:prstGeom prst="rect">
-            <a:avLst/>
-          </a:prstGeom>
-          <a:noFill/>
-          <a:extLst>
-            <a:ext uri="{909E8E84-426E-40DD-AFC4-6F175D3DCCD1}">
-              <a14:hiddenFill xmlns:a14="http://schemas.microsoft.com/office/drawing/2010/main">
-                <a:solidFill>
-                  <a:srgbClr val="FFFFFF"/>
-                </a:solidFill>
-              </a14:hiddenFill>
-            </a:ext>
-          </a:extLst>
-        </p:spPr>
-      </p:pic>
-    </p:spTree>
-    <p:extLst>
-      <p:ext uri="{BB962C8B-B14F-4D97-AF65-F5344CB8AC3E}">
-        <p14:creationId xmlns:p14="http://schemas.microsoft.com/office/powerpoint/2010/main" val="2863378080"/>
-      </p:ext>
-    </p:extLst>
-  </p:cSld>
-  <p:clrMapOvr>
-    <a:masterClrMapping/>
-  </p:clrMapOvr>
-  <p:transition/>
 </p:sld>
 </file>
 
